--- a/Search I.pptx
+++ b/Search I.pptx
@@ -229,7 +229,7 @@
             <a:fld id="{6D5D1359-5E8F-4BE2-BDF3-05C1E1401B85}" type="datetimeFigureOut">
               <a:rPr lang="ar-EG" smtClean="0"/>
               <a:pPr/>
-              <a:t>13/01/1436</a:t>
+              <a:t>24/01/1436</a:t>
             </a:fld>
             <a:endParaRPr lang="ar-EG"/>
           </a:p>
@@ -768,7 +768,7 @@
             <a:fld id="{61BA39CB-3688-431D-9924-DCF84C12A777}" type="datetime1">
               <a:rPr lang="en-US" smtClean="0"/>
               <a:pPr/>
-              <a:t>11/5/2014</a:t>
+              <a:t>11/16/2014</a:t>
             </a:fld>
             <a:endParaRPr lang="en-US"/>
           </a:p>
@@ -939,7 +939,7 @@
             <a:fld id="{0C10FF5C-AE56-40CB-B744-5A89D8AB9627}" type="datetime1">
               <a:rPr lang="en-US" smtClean="0"/>
               <a:pPr/>
-              <a:t>11/5/2014</a:t>
+              <a:t>11/16/2014</a:t>
             </a:fld>
             <a:endParaRPr lang="en-US"/>
           </a:p>
@@ -1120,7 +1120,7 @@
             <a:fld id="{E331A29B-5DE3-440F-8DE5-7217B987EEE3}" type="datetime1">
               <a:rPr lang="en-US" smtClean="0"/>
               <a:pPr/>
-              <a:t>11/5/2014</a:t>
+              <a:t>11/16/2014</a:t>
             </a:fld>
             <a:endParaRPr lang="en-US"/>
           </a:p>
@@ -1291,7 +1291,7 @@
             <a:fld id="{FB7361E7-7C52-4F9C-8CC9-20FC74FE6F7D}" type="datetime1">
               <a:rPr lang="en-US" smtClean="0"/>
               <a:pPr/>
-              <a:t>11/5/2014</a:t>
+              <a:t>11/16/2014</a:t>
             </a:fld>
             <a:endParaRPr lang="en-US"/>
           </a:p>
@@ -1550,7 +1550,7 @@
             <a:fld id="{0D6068DC-FA47-49B9-B801-59C79A7D8AC8}" type="datetime1">
               <a:rPr lang="en-US" smtClean="0"/>
               <a:pPr/>
-              <a:t>11/5/2014</a:t>
+              <a:t>11/16/2014</a:t>
             </a:fld>
             <a:endParaRPr lang="en-US"/>
           </a:p>
@@ -1839,7 +1839,7 @@
             <a:fld id="{5724F3ED-CA58-4AEB-8E46-58A375DFB2CC}" type="datetime1">
               <a:rPr lang="en-US" smtClean="0"/>
               <a:pPr/>
-              <a:t>11/5/2014</a:t>
+              <a:t>11/16/2014</a:t>
             </a:fld>
             <a:endParaRPr lang="en-US"/>
           </a:p>
@@ -2262,7 +2262,7 @@
             <a:fld id="{4497187A-A2F8-4836-87B3-E2EEF8095882}" type="datetime1">
               <a:rPr lang="en-US" smtClean="0"/>
               <a:pPr/>
-              <a:t>11/5/2014</a:t>
+              <a:t>11/16/2014</a:t>
             </a:fld>
             <a:endParaRPr lang="en-US"/>
           </a:p>
@@ -2381,7 +2381,7 @@
             <a:fld id="{C05F5522-44F3-4734-A402-4F6FB5D1027D}" type="datetime1">
               <a:rPr lang="en-US" smtClean="0"/>
               <a:pPr/>
-              <a:t>11/5/2014</a:t>
+              <a:t>11/16/2014</a:t>
             </a:fld>
             <a:endParaRPr lang="en-US"/>
           </a:p>
@@ -2477,7 +2477,7 @@
             <a:fld id="{7F27DAD9-FA4D-411F-BE6A-6847EF860299}" type="datetime1">
               <a:rPr lang="en-US" smtClean="0"/>
               <a:pPr/>
-              <a:t>11/5/2014</a:t>
+              <a:t>11/16/2014</a:t>
             </a:fld>
             <a:endParaRPr lang="en-US"/>
           </a:p>
@@ -2755,7 +2755,7 @@
             <a:fld id="{BD7288B9-A12C-44E5-8077-82985BA206D6}" type="datetime1">
               <a:rPr lang="en-US" smtClean="0"/>
               <a:pPr/>
-              <a:t>11/5/2014</a:t>
+              <a:t>11/16/2014</a:t>
             </a:fld>
             <a:endParaRPr lang="en-US"/>
           </a:p>
@@ -3009,7 +3009,7 @@
             <a:fld id="{98CEB6B0-3456-4D5F-B340-13464940BE6A}" type="datetime1">
               <a:rPr lang="en-US" smtClean="0"/>
               <a:pPr/>
-              <a:t>11/5/2014</a:t>
+              <a:t>11/16/2014</a:t>
             </a:fld>
             <a:endParaRPr lang="en-US"/>
           </a:p>
@@ -3223,7 +3223,7 @@
             <a:fld id="{72FC64A2-7439-4213-B6EC-00ACF116D46D}" type="datetime1">
               <a:rPr lang="en-US" smtClean="0"/>
               <a:pPr/>
-              <a:t>11/5/2014</a:t>
+              <a:t>11/16/2014</a:t>
             </a:fld>
             <a:endParaRPr lang="en-US"/>
           </a:p>
@@ -4236,142 +4236,141 @@
             <a:pPr lvl="1"/>
             <a:r>
               <a:rPr lang="pt-BR" sz="1600" dirty="0" smtClean="0"/>
-              <a:t>E F C D</a:t>
+              <a:t>B C J</a:t>
             </a:r>
           </a:p>
           <a:p>
             <a:pPr lvl="1"/>
             <a:r>
               <a:rPr lang="pt-BR" sz="1600" dirty="0" smtClean="0"/>
-              <a:t>K L F C D</a:t>
+              <a:t>B C P Q</a:t>
             </a:r>
           </a:p>
           <a:p>
             <a:pPr lvl="1"/>
             <a:r>
               <a:rPr lang="pt-BR" sz="1600" dirty="0" smtClean="0"/>
-              <a:t>L F C D</a:t>
+              <a:t>B C P U</a:t>
             </a:r>
           </a:p>
           <a:p>
             <a:pPr lvl="1"/>
             <a:r>
               <a:rPr lang="pt-BR" sz="1600" dirty="0" smtClean="0"/>
-              <a:t>F C D</a:t>
+              <a:t>B C P</a:t>
             </a:r>
           </a:p>
           <a:p>
             <a:pPr lvl="1"/>
             <a:r>
               <a:rPr lang="pt-BR" sz="1600" dirty="0" smtClean="0"/>
-              <a:t>M C D</a:t>
+              <a:t>B C</a:t>
             </a:r>
           </a:p>
           <a:p>
             <a:pPr lvl="1"/>
             <a:r>
               <a:rPr lang="pt-BR" sz="1600" dirty="0" smtClean="0"/>
-              <a:t>C D</a:t>
+              <a:t>B G H I</a:t>
             </a:r>
           </a:p>
           <a:p>
             <a:pPr lvl="1"/>
             <a:r>
               <a:rPr lang="pt-BR" sz="1600" dirty="0" smtClean="0"/>
-              <a:t>G H I D</a:t>
+              <a:t>B G H</a:t>
             </a:r>
           </a:p>
           <a:p>
             <a:pPr lvl="1"/>
             <a:r>
               <a:rPr lang="pt-BR" sz="1600" dirty="0" smtClean="0"/>
-              <a:t>H I D</a:t>
+              <a:t>B G N O</a:t>
             </a:r>
           </a:p>
           <a:p>
             <a:pPr lvl="1"/>
             <a:r>
               <a:rPr lang="pt-BR" sz="1600" dirty="0" smtClean="0"/>
-              <a:t>N O I D</a:t>
+              <a:t>B G N R S T</a:t>
             </a:r>
           </a:p>
           <a:p>
             <a:pPr lvl="1"/>
             <a:r>
               <a:rPr lang="pt-BR" sz="1600" dirty="0" smtClean="0"/>
-              <a:t>O I D</a:t>
+              <a:t>B G N R S</a:t>
             </a:r>
           </a:p>
           <a:p>
             <a:pPr lvl="1"/>
             <a:r>
               <a:rPr lang="pt-BR" sz="1600" dirty="0" smtClean="0"/>
-              <a:t>R S T I D</a:t>
+              <a:t>B G N R V</a:t>
             </a:r>
           </a:p>
           <a:p>
             <a:pPr lvl="1"/>
             <a:r>
               <a:rPr lang="pt-BR" sz="1600" dirty="0" smtClean="0"/>
-              <a:t>S T I D</a:t>
+              <a:t>B G N R</a:t>
             </a:r>
           </a:p>
           <a:p>
             <a:pPr lvl="1"/>
             <a:r>
               <a:rPr lang="pt-BR" sz="1600" dirty="0" smtClean="0"/>
-              <a:t>V T I D</a:t>
+              <a:t>B G N</a:t>
             </a:r>
           </a:p>
           <a:p>
             <a:pPr lvl="1"/>
             <a:r>
               <a:rPr lang="pt-BR" sz="1600" dirty="0" smtClean="0"/>
-              <a:t>T I D</a:t>
+              <a:t>B G</a:t>
             </a:r>
           </a:p>
           <a:p>
             <a:pPr lvl="1"/>
             <a:r>
               <a:rPr lang="pt-BR" sz="1600" dirty="0" smtClean="0"/>
-              <a:t>I D</a:t>
+              <a:t>B</a:t>
             </a:r>
           </a:p>
           <a:p>
             <a:pPr lvl="1"/>
             <a:r>
               <a:rPr lang="pt-BR" sz="1600" dirty="0" smtClean="0"/>
-              <a:t>D</a:t>
+              <a:t>E F</a:t>
             </a:r>
           </a:p>
           <a:p>
             <a:pPr lvl="1"/>
             <a:r>
               <a:rPr lang="pt-BR" sz="1600" dirty="0" smtClean="0"/>
-              <a:t>J</a:t>
+              <a:t>E M</a:t>
             </a:r>
           </a:p>
           <a:p>
             <a:pPr lvl="1"/>
             <a:r>
               <a:rPr lang="pt-BR" sz="1600" dirty="0" smtClean="0"/>
-              <a:t>P Q</a:t>
+              <a:t>E</a:t>
             </a:r>
           </a:p>
           <a:p>
             <a:pPr lvl="1"/>
             <a:r>
               <a:rPr lang="pt-BR" sz="1600" dirty="0" smtClean="0"/>
-              <a:t>Q</a:t>
+              <a:t>K L</a:t>
             </a:r>
           </a:p>
           <a:p>
             <a:pPr lvl="1"/>
             <a:r>
               <a:rPr lang="pt-BR" sz="1600" dirty="0" smtClean="0"/>
-              <a:t>U</a:t>
-            </a:r>
-            <a:endParaRPr lang="ar-EG" sz="1600" dirty="0"/>
+              <a:t>K</a:t>
+            </a:r>
           </a:p>
         </p:txBody>
       </p:sp>
@@ -5490,14 +5489,14 @@
             <a:pPr lvl="1"/>
             <a:r>
               <a:rPr lang="pt-BR" sz="1600" dirty="0" smtClean="0"/>
-              <a:t>C D</a:t>
+              <a:t>B C</a:t>
             </a:r>
           </a:p>
           <a:p>
             <a:pPr lvl="1"/>
             <a:r>
               <a:rPr lang="pt-BR" sz="1600" dirty="0" smtClean="0"/>
-              <a:t>D</a:t>
+              <a:t>B</a:t>
             </a:r>
           </a:p>
           <a:p>
@@ -5524,56 +5523,56 @@
             <a:pPr lvl="1"/>
             <a:r>
               <a:rPr lang="pt-BR" sz="1600" dirty="0" smtClean="0"/>
-              <a:t>E F C D</a:t>
+              <a:t>B C J</a:t>
             </a:r>
           </a:p>
           <a:p>
             <a:pPr lvl="1"/>
             <a:r>
               <a:rPr lang="pt-BR" sz="1600" dirty="0" smtClean="0"/>
-              <a:t>F C D</a:t>
+              <a:t>B C</a:t>
             </a:r>
           </a:p>
           <a:p>
             <a:pPr lvl="1"/>
             <a:r>
               <a:rPr lang="pt-BR" sz="1600" dirty="0" smtClean="0"/>
-              <a:t>C D</a:t>
+              <a:t>B G H I</a:t>
             </a:r>
           </a:p>
           <a:p>
             <a:pPr lvl="1"/>
             <a:r>
               <a:rPr lang="pt-BR" sz="1600" dirty="0" smtClean="0"/>
-              <a:t>G H I D</a:t>
+              <a:t>B G H</a:t>
             </a:r>
           </a:p>
           <a:p>
             <a:pPr lvl="1"/>
             <a:r>
               <a:rPr lang="pt-BR" sz="1600" dirty="0" smtClean="0"/>
-              <a:t>H I D</a:t>
+              <a:t>B G</a:t>
             </a:r>
           </a:p>
           <a:p>
             <a:pPr lvl="1"/>
             <a:r>
               <a:rPr lang="pt-BR" sz="1600" dirty="0" smtClean="0"/>
-              <a:t>I D</a:t>
+              <a:t>B</a:t>
             </a:r>
           </a:p>
           <a:p>
             <a:pPr lvl="1"/>
             <a:r>
               <a:rPr lang="pt-BR" sz="1600" dirty="0" smtClean="0"/>
-              <a:t>D</a:t>
+              <a:t>E F</a:t>
             </a:r>
           </a:p>
           <a:p>
             <a:pPr lvl="1"/>
             <a:r>
               <a:rPr lang="pt-BR" sz="1600" dirty="0" smtClean="0"/>
-              <a:t>J</a:t>
+              <a:t>E</a:t>
             </a:r>
           </a:p>
         </p:txBody>
@@ -5882,105 +5881,105 @@
             <a:pPr lvl="1"/>
             <a:r>
               <a:rPr lang="pt-BR" sz="1600" dirty="0" smtClean="0"/>
-              <a:t>E F C D</a:t>
+              <a:t>B C J</a:t>
             </a:r>
           </a:p>
           <a:p>
             <a:pPr lvl="1"/>
             <a:r>
               <a:rPr lang="pt-BR" sz="1600" dirty="0" smtClean="0"/>
-              <a:t>K L F C D</a:t>
+              <a:t>B C P Q</a:t>
             </a:r>
           </a:p>
           <a:p>
             <a:pPr lvl="1"/>
             <a:r>
               <a:rPr lang="pt-BR" sz="1600" dirty="0" smtClean="0"/>
-              <a:t>L F C D</a:t>
+              <a:t>B C P</a:t>
             </a:r>
           </a:p>
           <a:p>
             <a:pPr lvl="1"/>
             <a:r>
               <a:rPr lang="pt-BR" sz="1600" dirty="0" smtClean="0"/>
-              <a:t>F C D</a:t>
+              <a:t>B C</a:t>
             </a:r>
           </a:p>
           <a:p>
             <a:pPr lvl="1"/>
             <a:r>
               <a:rPr lang="pt-BR" sz="1600" dirty="0" smtClean="0"/>
-              <a:t>M C D</a:t>
+              <a:t>B G H I</a:t>
             </a:r>
           </a:p>
           <a:p>
             <a:pPr lvl="1"/>
             <a:r>
               <a:rPr lang="pt-BR" sz="1600" dirty="0" smtClean="0"/>
-              <a:t>C D</a:t>
+              <a:t>B G H</a:t>
             </a:r>
           </a:p>
           <a:p>
             <a:pPr lvl="1"/>
             <a:r>
               <a:rPr lang="pt-BR" sz="1600" dirty="0" smtClean="0"/>
-              <a:t>G H I D</a:t>
+              <a:t>B G N O</a:t>
             </a:r>
           </a:p>
           <a:p>
             <a:pPr lvl="1"/>
             <a:r>
               <a:rPr lang="pt-BR" sz="1600" dirty="0" smtClean="0"/>
-              <a:t>H I D</a:t>
+              <a:t>B G N</a:t>
             </a:r>
           </a:p>
           <a:p>
             <a:pPr lvl="1"/>
             <a:r>
               <a:rPr lang="pt-BR" sz="1600" dirty="0" smtClean="0"/>
-              <a:t>N O I D</a:t>
+              <a:t>B G</a:t>
             </a:r>
           </a:p>
           <a:p>
             <a:pPr lvl="1"/>
             <a:r>
               <a:rPr lang="pt-BR" sz="1600" dirty="0" smtClean="0"/>
-              <a:t>O I D</a:t>
+              <a:t>B</a:t>
             </a:r>
           </a:p>
           <a:p>
             <a:pPr lvl="1"/>
             <a:r>
               <a:rPr lang="pt-BR" sz="1600" dirty="0" smtClean="0"/>
-              <a:t>I D</a:t>
+              <a:t>E F</a:t>
             </a:r>
           </a:p>
           <a:p>
             <a:pPr lvl="1"/>
             <a:r>
               <a:rPr lang="pt-BR" sz="1600" dirty="0" smtClean="0"/>
-              <a:t>D</a:t>
+              <a:t>E M</a:t>
             </a:r>
           </a:p>
           <a:p>
             <a:pPr lvl="1"/>
             <a:r>
               <a:rPr lang="pt-BR" sz="1600" dirty="0" smtClean="0"/>
-              <a:t>J</a:t>
+              <a:t>E</a:t>
             </a:r>
           </a:p>
           <a:p>
             <a:pPr lvl="1"/>
             <a:r>
               <a:rPr lang="pt-BR" sz="1600" dirty="0" smtClean="0"/>
-              <a:t>P Q</a:t>
+              <a:t>K L</a:t>
             </a:r>
           </a:p>
           <a:p>
             <a:pPr lvl="1"/>
             <a:r>
               <a:rPr lang="pt-BR" sz="1600" dirty="0" smtClean="0"/>
-              <a:t>Q</a:t>
+              <a:t>K</a:t>
             </a:r>
           </a:p>
           <a:p>
@@ -6436,7 +6435,7 @@
             </a:r>
             <a:r>
               <a:rPr lang="en-US" sz="2200" dirty="0" smtClean="0"/>
-              <a:t>(path)</a:t>
+              <a:t>(path)        </a:t>
             </a:r>
           </a:p>
           <a:p>
@@ -6445,7 +6444,7 @@
             </a:pPr>
             <a:r>
               <a:rPr lang="en-US" sz="2200" dirty="0" smtClean="0"/>
-              <a:t>        if(depth&lt;limit):</a:t>
+              <a:t>        for next in graph[vertex] - set(path):</a:t>
             </a:r>
           </a:p>
           <a:p>
@@ -6454,7 +6453,7 @@
             </a:pPr>
             <a:r>
               <a:rPr lang="en-US" sz="2200" dirty="0" smtClean="0"/>
-              <a:t>            for next in graph[vertex] - set(path):</a:t>
+              <a:t>            if next == goal:</a:t>
             </a:r>
           </a:p>
           <a:p>
@@ -6463,16 +6462,7 @@
             </a:pPr>
             <a:r>
               <a:rPr lang="en-US" sz="2200" dirty="0" smtClean="0"/>
-              <a:t>                if next == goal:</a:t>
-            </a:r>
-          </a:p>
-          <a:p>
-            <a:pPr>
-              <a:buNone/>
-            </a:pPr>
-            <a:r>
-              <a:rPr lang="en-US" sz="2200" dirty="0" smtClean="0"/>
-              <a:t>                    </a:t>
+              <a:t>                </a:t>
             </a:r>
             <a:r>
               <a:rPr lang="en-US" sz="2200" dirty="0" err="1" smtClean="0"/>
@@ -6489,7 +6479,16 @@
             </a:pPr>
             <a:r>
               <a:rPr lang="en-US" sz="2200" dirty="0" smtClean="0"/>
-              <a:t>                else:</a:t>
+              <a:t>            else:</a:t>
+            </a:r>
+          </a:p>
+          <a:p>
+            <a:pPr>
+              <a:buNone/>
+            </a:pPr>
+            <a:r>
+              <a:rPr lang="en-US" sz="2200" dirty="0" smtClean="0"/>
+              <a:t>                if(depth+1&lt;=limit):        </a:t>
             </a:r>
           </a:p>
           <a:p>
@@ -6688,7 +6687,7 @@
             </a:r>
             <a:r>
               <a:rPr lang="en-US" sz="2200" dirty="0" smtClean="0"/>
-              <a:t> in range(2, 4+1):</a:t>
+              <a:t> in range(1, 4+1):</a:t>
             </a:r>
           </a:p>
           <a:p>
@@ -6738,15 +6737,6 @@
             <a:pPr>
               <a:buNone/>
             </a:pPr>
-            <a:r>
-              <a:rPr lang="en-US" sz="2200" dirty="0" smtClean="0"/>
-              <a:t>##            break</a:t>
-            </a:r>
-          </a:p>
-          <a:p>
-            <a:pPr>
-              <a:buNone/>
-            </a:pPr>
             <a:endParaRPr lang="en-US" sz="2200" dirty="0" smtClean="0"/>
           </a:p>
           <a:p>
@@ -6764,7 +6754,7 @@
             </a:pPr>
             <a:r>
               <a:rPr lang="en-US" sz="2200" dirty="0" smtClean="0"/>
-              <a:t># [['A', 'C', 'F']]</a:t>
+              <a:t>## [['A', 'C', 'F']]</a:t>
             </a:r>
           </a:p>
           <a:p>
@@ -6773,7 +6763,16 @@
             </a:pPr>
             <a:r>
               <a:rPr lang="en-US" sz="2200" dirty="0" smtClean="0"/>
-              <a:t># [['A', 'B', 'E', 'F'], ['A', 'C', 'F']]</a:t>
+              <a:t>## [['A', 'B', 'E', 'F'], ['A', 'C', 'F']]</a:t>
+            </a:r>
+          </a:p>
+          <a:p>
+            <a:pPr>
+              <a:buNone/>
+            </a:pPr>
+            <a:r>
+              <a:rPr lang="en-US" sz="2200" dirty="0" smtClean="0"/>
+              <a:t>## [['A', 'B', 'E', 'F'], ['A', 'C', 'F']]</a:t>
             </a:r>
             <a:endParaRPr lang="en-US" sz="2200" dirty="0" smtClean="0"/>
           </a:p>
@@ -6927,7 +6926,7 @@
       </p:sp>
       <p:pic>
         <p:nvPicPr>
-          <p:cNvPr id="1027" name="Picture 3"/>
+          <p:cNvPr id="1028" name="Picture 4"/>
           <p:cNvPicPr>
             <a:picLocks noChangeAspect="1" noChangeArrowheads="1"/>
           </p:cNvPicPr>
@@ -6942,8 +6941,8 @@
         </p:blipFill>
         <p:spPr bwMode="auto">
           <a:xfrm>
-            <a:off x="381000" y="1143000"/>
-            <a:ext cx="7429500" cy="5172075"/>
+            <a:off x="533400" y="1142999"/>
+            <a:ext cx="7494823" cy="5105401"/>
           </a:xfrm>
           <a:prstGeom prst="rect">
             <a:avLst/>
@@ -7083,7 +7082,7 @@
       </p:sp>
       <p:pic>
         <p:nvPicPr>
-          <p:cNvPr id="2051" name="Picture 3"/>
+          <p:cNvPr id="2050" name="Picture 2"/>
           <p:cNvPicPr>
             <a:picLocks noChangeAspect="1" noChangeArrowheads="1"/>
           </p:cNvPicPr>
@@ -7098,8 +7097,8 @@
         </p:blipFill>
         <p:spPr bwMode="auto">
           <a:xfrm>
-            <a:off x="371475" y="1143000"/>
-            <a:ext cx="7019925" cy="2600325"/>
+            <a:off x="304800" y="1219200"/>
+            <a:ext cx="7467600" cy="2698729"/>
           </a:xfrm>
           <a:prstGeom prst="rect">
             <a:avLst/>
@@ -7239,7 +7238,7 @@
       </p:sp>
       <p:pic>
         <p:nvPicPr>
-          <p:cNvPr id="3074" name="Picture 2"/>
+          <p:cNvPr id="24578" name="Picture 2"/>
           <p:cNvPicPr>
             <a:picLocks noChangeAspect="1" noChangeArrowheads="1"/>
           </p:cNvPicPr>
@@ -7254,8 +7253,8 @@
         </p:blipFill>
         <p:spPr bwMode="auto">
           <a:xfrm>
-            <a:off x="276225" y="2590800"/>
-            <a:ext cx="6353175" cy="1009650"/>
+            <a:off x="6172200" y="2581275"/>
+            <a:ext cx="2581275" cy="3438525"/>
           </a:xfrm>
           <a:prstGeom prst="rect">
             <a:avLst/>
@@ -7272,7 +7271,7 @@
       </p:pic>
       <p:pic>
         <p:nvPicPr>
-          <p:cNvPr id="24578" name="Picture 2"/>
+          <p:cNvPr id="3" name="Picture 2"/>
           <p:cNvPicPr>
             <a:picLocks noChangeAspect="1" noChangeArrowheads="1"/>
           </p:cNvPicPr>
@@ -7287,8 +7286,8 @@
         </p:blipFill>
         <p:spPr bwMode="auto">
           <a:xfrm>
-            <a:off x="6324600" y="1600200"/>
-            <a:ext cx="2581275" cy="3438525"/>
+            <a:off x="428336" y="1219200"/>
+            <a:ext cx="6810664" cy="1295400"/>
           </a:xfrm>
           <a:prstGeom prst="rect">
             <a:avLst/>

--- a/Search I.pptx
+++ b/Search I.pptx
@@ -229,7 +229,7 @@
             <a:fld id="{6D5D1359-5E8F-4BE2-BDF3-05C1E1401B85}" type="datetimeFigureOut">
               <a:rPr lang="ar-EG" smtClean="0"/>
               <a:pPr/>
-              <a:t>24/01/1436</a:t>
+              <a:t>25/01/1436</a:t>
             </a:fld>
             <a:endParaRPr lang="ar-EG"/>
           </a:p>
@@ -768,7 +768,7 @@
             <a:fld id="{61BA39CB-3688-431D-9924-DCF84C12A777}" type="datetime1">
               <a:rPr lang="en-US" smtClean="0"/>
               <a:pPr/>
-              <a:t>11/16/2014</a:t>
+              <a:t>11/17/2014</a:t>
             </a:fld>
             <a:endParaRPr lang="en-US"/>
           </a:p>
@@ -939,7 +939,7 @@
             <a:fld id="{0C10FF5C-AE56-40CB-B744-5A89D8AB9627}" type="datetime1">
               <a:rPr lang="en-US" smtClean="0"/>
               <a:pPr/>
-              <a:t>11/16/2014</a:t>
+              <a:t>11/17/2014</a:t>
             </a:fld>
             <a:endParaRPr lang="en-US"/>
           </a:p>
@@ -1120,7 +1120,7 @@
             <a:fld id="{E331A29B-5DE3-440F-8DE5-7217B987EEE3}" type="datetime1">
               <a:rPr lang="en-US" smtClean="0"/>
               <a:pPr/>
-              <a:t>11/16/2014</a:t>
+              <a:t>11/17/2014</a:t>
             </a:fld>
             <a:endParaRPr lang="en-US"/>
           </a:p>
@@ -1291,7 +1291,7 @@
             <a:fld id="{FB7361E7-7C52-4F9C-8CC9-20FC74FE6F7D}" type="datetime1">
               <a:rPr lang="en-US" smtClean="0"/>
               <a:pPr/>
-              <a:t>11/16/2014</a:t>
+              <a:t>11/17/2014</a:t>
             </a:fld>
             <a:endParaRPr lang="en-US"/>
           </a:p>
@@ -1550,7 +1550,7 @@
             <a:fld id="{0D6068DC-FA47-49B9-B801-59C79A7D8AC8}" type="datetime1">
               <a:rPr lang="en-US" smtClean="0"/>
               <a:pPr/>
-              <a:t>11/16/2014</a:t>
+              <a:t>11/17/2014</a:t>
             </a:fld>
             <a:endParaRPr lang="en-US"/>
           </a:p>
@@ -1839,7 +1839,7 @@
             <a:fld id="{5724F3ED-CA58-4AEB-8E46-58A375DFB2CC}" type="datetime1">
               <a:rPr lang="en-US" smtClean="0"/>
               <a:pPr/>
-              <a:t>11/16/2014</a:t>
+              <a:t>11/17/2014</a:t>
             </a:fld>
             <a:endParaRPr lang="en-US"/>
           </a:p>
@@ -2262,7 +2262,7 @@
             <a:fld id="{4497187A-A2F8-4836-87B3-E2EEF8095882}" type="datetime1">
               <a:rPr lang="en-US" smtClean="0"/>
               <a:pPr/>
-              <a:t>11/16/2014</a:t>
+              <a:t>11/17/2014</a:t>
             </a:fld>
             <a:endParaRPr lang="en-US"/>
           </a:p>
@@ -2381,7 +2381,7 @@
             <a:fld id="{C05F5522-44F3-4734-A402-4F6FB5D1027D}" type="datetime1">
               <a:rPr lang="en-US" smtClean="0"/>
               <a:pPr/>
-              <a:t>11/16/2014</a:t>
+              <a:t>11/17/2014</a:t>
             </a:fld>
             <a:endParaRPr lang="en-US"/>
           </a:p>
@@ -2477,7 +2477,7 @@
             <a:fld id="{7F27DAD9-FA4D-411F-BE6A-6847EF860299}" type="datetime1">
               <a:rPr lang="en-US" smtClean="0"/>
               <a:pPr/>
-              <a:t>11/16/2014</a:t>
+              <a:t>11/17/2014</a:t>
             </a:fld>
             <a:endParaRPr lang="en-US"/>
           </a:p>
@@ -2755,7 +2755,7 @@
             <a:fld id="{BD7288B9-A12C-44E5-8077-82985BA206D6}" type="datetime1">
               <a:rPr lang="en-US" smtClean="0"/>
               <a:pPr/>
-              <a:t>11/16/2014</a:t>
+              <a:t>11/17/2014</a:t>
             </a:fld>
             <a:endParaRPr lang="en-US"/>
           </a:p>
@@ -3009,7 +3009,7 @@
             <a:fld id="{98CEB6B0-3456-4D5F-B340-13464940BE6A}" type="datetime1">
               <a:rPr lang="en-US" smtClean="0"/>
               <a:pPr/>
-              <a:t>11/16/2014</a:t>
+              <a:t>11/17/2014</a:t>
             </a:fld>
             <a:endParaRPr lang="en-US"/>
           </a:p>
@@ -3223,7 +3223,7 @@
             <a:fld id="{72FC64A2-7439-4213-B6EC-00ACF116D46D}" type="datetime1">
               <a:rPr lang="en-US" smtClean="0"/>
               <a:pPr/>
-              <a:t>11/16/2014</a:t>
+              <a:t>11/17/2014</a:t>
             </a:fld>
             <a:endParaRPr lang="en-US"/>
           </a:p>
@@ -5461,117 +5461,117 @@
               <a:buNone/>
             </a:pPr>
             <a:r>
-              <a:rPr lang="pt-BR" sz="2000" b="1" dirty="0" smtClean="0"/>
+              <a:rPr lang="pt-BR" sz="2800" b="1" dirty="0" smtClean="0"/>
               <a:t>The queue evolves like this</a:t>
             </a:r>
           </a:p>
           <a:p>
             <a:r>
-              <a:rPr lang="pt-BR" sz="1800" dirty="0" smtClean="0"/>
+              <a:rPr lang="pt-BR" sz="2400" dirty="0" smtClean="0"/>
               <a:t>Depth = 1</a:t>
             </a:r>
           </a:p>
           <a:p>
             <a:pPr lvl="1"/>
             <a:r>
-              <a:rPr lang="pt-BR" sz="1600" dirty="0" smtClean="0"/>
+              <a:rPr lang="pt-BR" sz="2000" dirty="0" smtClean="0"/>
               <a:t>A</a:t>
             </a:r>
           </a:p>
           <a:p>
             <a:pPr lvl="1"/>
             <a:r>
-              <a:rPr lang="pt-BR" sz="1600" dirty="0" smtClean="0"/>
+              <a:rPr lang="pt-BR" sz="2000" dirty="0" smtClean="0"/>
               <a:t>B C D</a:t>
             </a:r>
           </a:p>
           <a:p>
             <a:pPr lvl="1"/>
             <a:r>
-              <a:rPr lang="pt-BR" sz="1600" dirty="0" smtClean="0"/>
+              <a:rPr lang="pt-BR" sz="2000" dirty="0" smtClean="0"/>
               <a:t>B C</a:t>
             </a:r>
           </a:p>
           <a:p>
             <a:pPr lvl="1"/>
             <a:r>
-              <a:rPr lang="pt-BR" sz="1600" dirty="0" smtClean="0"/>
+              <a:rPr lang="pt-BR" sz="2000" dirty="0" smtClean="0"/>
               <a:t>B</a:t>
             </a:r>
           </a:p>
           <a:p>
             <a:r>
-              <a:rPr lang="pt-BR" sz="1800" dirty="0" smtClean="0"/>
+              <a:rPr lang="pt-BR" sz="2400" dirty="0" smtClean="0"/>
               <a:t>Depth = 2</a:t>
             </a:r>
           </a:p>
           <a:p>
             <a:pPr lvl="1"/>
             <a:r>
-              <a:rPr lang="pt-BR" sz="1600" dirty="0" smtClean="0"/>
+              <a:rPr lang="pt-BR" sz="2000" dirty="0" smtClean="0"/>
               <a:t>A</a:t>
             </a:r>
           </a:p>
           <a:p>
             <a:pPr lvl="1"/>
             <a:r>
-              <a:rPr lang="pt-BR" sz="1600" dirty="0" smtClean="0"/>
+              <a:rPr lang="pt-BR" sz="2000" dirty="0" smtClean="0"/>
               <a:t>B C D</a:t>
             </a:r>
           </a:p>
           <a:p>
             <a:pPr lvl="1"/>
             <a:r>
-              <a:rPr lang="pt-BR" sz="1600" dirty="0" smtClean="0"/>
+              <a:rPr lang="pt-BR" sz="2000" dirty="0" smtClean="0"/>
               <a:t>B C J</a:t>
             </a:r>
           </a:p>
           <a:p>
             <a:pPr lvl="1"/>
             <a:r>
-              <a:rPr lang="pt-BR" sz="1600" dirty="0" smtClean="0"/>
+              <a:rPr lang="pt-BR" sz="2000" dirty="0" smtClean="0"/>
               <a:t>B C</a:t>
             </a:r>
           </a:p>
           <a:p>
             <a:pPr lvl="1"/>
             <a:r>
-              <a:rPr lang="pt-BR" sz="1600" dirty="0" smtClean="0"/>
+              <a:rPr lang="pt-BR" sz="2000" dirty="0" smtClean="0"/>
               <a:t>B G H I</a:t>
             </a:r>
           </a:p>
           <a:p>
             <a:pPr lvl="1"/>
             <a:r>
-              <a:rPr lang="pt-BR" sz="1600" dirty="0" smtClean="0"/>
+              <a:rPr lang="pt-BR" sz="2000" dirty="0" smtClean="0"/>
               <a:t>B G H</a:t>
             </a:r>
           </a:p>
           <a:p>
             <a:pPr lvl="1"/>
             <a:r>
-              <a:rPr lang="pt-BR" sz="1600" dirty="0" smtClean="0"/>
+              <a:rPr lang="pt-BR" sz="2000" dirty="0" smtClean="0"/>
               <a:t>B G</a:t>
             </a:r>
           </a:p>
           <a:p>
             <a:pPr lvl="1"/>
             <a:r>
-              <a:rPr lang="pt-BR" sz="1600" dirty="0" smtClean="0"/>
+              <a:rPr lang="pt-BR" sz="2000" dirty="0" smtClean="0"/>
               <a:t>B</a:t>
             </a:r>
           </a:p>
           <a:p>
             <a:pPr lvl="1"/>
             <a:r>
-              <a:rPr lang="pt-BR" sz="1600" dirty="0" smtClean="0"/>
+              <a:rPr lang="pt-BR" sz="2000" dirty="0" smtClean="0"/>
               <a:t>E F</a:t>
             </a:r>
           </a:p>
           <a:p>
             <a:pPr lvl="1"/>
             <a:r>
-              <a:rPr lang="pt-BR" sz="1600" dirty="0" smtClean="0"/>
+              <a:rPr lang="pt-BR" sz="2000" dirty="0" smtClean="0"/>
               <a:t>E</a:t>
             </a:r>
           </a:p>
@@ -5853,147 +5853,135 @@
               <a:buNone/>
             </a:pPr>
             <a:r>
-              <a:rPr lang="pt-BR" sz="2000" b="1" dirty="0" smtClean="0"/>
+              <a:rPr lang="pt-BR" sz="2400" b="1" dirty="0" smtClean="0"/>
               <a:t>The queue evolves like this</a:t>
             </a:r>
           </a:p>
           <a:p>
             <a:r>
+              <a:rPr lang="pt-BR" sz="2000" dirty="0" smtClean="0"/>
+              <a:t>Depth = 3</a:t>
+            </a:r>
+          </a:p>
+          <a:p>
+            <a:pPr lvl="1"/>
+            <a:r>
               <a:rPr lang="pt-BR" sz="1800" dirty="0" smtClean="0"/>
-              <a:t>Depth = 3</a:t>
+              <a:t>A</a:t>
             </a:r>
           </a:p>
           <a:p>
             <a:pPr lvl="1"/>
             <a:r>
-              <a:rPr lang="pt-BR" sz="1600" dirty="0" smtClean="0"/>
-              <a:t>A</a:t>
+              <a:rPr lang="pt-BR" sz="1800" dirty="0" smtClean="0"/>
+              <a:t>B C D</a:t>
             </a:r>
           </a:p>
           <a:p>
             <a:pPr lvl="1"/>
             <a:r>
-              <a:rPr lang="pt-BR" sz="1600" dirty="0" smtClean="0"/>
-              <a:t>B C D</a:t>
+              <a:rPr lang="pt-BR" sz="1800" dirty="0" smtClean="0"/>
+              <a:t>B C J</a:t>
             </a:r>
           </a:p>
           <a:p>
             <a:pPr lvl="1"/>
             <a:r>
-              <a:rPr lang="pt-BR" sz="1600" dirty="0" smtClean="0"/>
-              <a:t>B C J</a:t>
+              <a:rPr lang="pt-BR" sz="1800" dirty="0" smtClean="0"/>
+              <a:t>B C P Q</a:t>
             </a:r>
           </a:p>
           <a:p>
             <a:pPr lvl="1"/>
             <a:r>
-              <a:rPr lang="pt-BR" sz="1600" dirty="0" smtClean="0"/>
-              <a:t>B C P Q</a:t>
+              <a:rPr lang="pt-BR" sz="1800" dirty="0" smtClean="0"/>
+              <a:t>B C P</a:t>
             </a:r>
           </a:p>
           <a:p>
             <a:pPr lvl="1"/>
             <a:r>
-              <a:rPr lang="pt-BR" sz="1600" dirty="0" smtClean="0"/>
-              <a:t>B C P</a:t>
+              <a:rPr lang="pt-BR" sz="1800" dirty="0" smtClean="0"/>
+              <a:t>B C</a:t>
             </a:r>
           </a:p>
           <a:p>
             <a:pPr lvl="1"/>
             <a:r>
-              <a:rPr lang="pt-BR" sz="1600" dirty="0" smtClean="0"/>
-              <a:t>B C</a:t>
+              <a:rPr lang="pt-BR" sz="1800" dirty="0" smtClean="0"/>
+              <a:t>B G H I</a:t>
             </a:r>
           </a:p>
           <a:p>
             <a:pPr lvl="1"/>
             <a:r>
-              <a:rPr lang="pt-BR" sz="1600" dirty="0" smtClean="0"/>
-              <a:t>B G H I</a:t>
+              <a:rPr lang="pt-BR" sz="1800" dirty="0" smtClean="0"/>
+              <a:t>B G H</a:t>
             </a:r>
           </a:p>
           <a:p>
             <a:pPr lvl="1"/>
             <a:r>
-              <a:rPr lang="pt-BR" sz="1600" dirty="0" smtClean="0"/>
-              <a:t>B G H</a:t>
+              <a:rPr lang="pt-BR" sz="1800" dirty="0" smtClean="0"/>
+              <a:t>B G N O</a:t>
             </a:r>
           </a:p>
           <a:p>
             <a:pPr lvl="1"/>
             <a:r>
-              <a:rPr lang="pt-BR" sz="1600" dirty="0" smtClean="0"/>
-              <a:t>B G N O</a:t>
+              <a:rPr lang="pt-BR" sz="1800" dirty="0" smtClean="0"/>
+              <a:t>B G N</a:t>
             </a:r>
           </a:p>
           <a:p>
             <a:pPr lvl="1"/>
             <a:r>
-              <a:rPr lang="pt-BR" sz="1600" dirty="0" smtClean="0"/>
-              <a:t>B G N</a:t>
+              <a:rPr lang="pt-BR" sz="1800" dirty="0" smtClean="0"/>
+              <a:t>B G</a:t>
             </a:r>
           </a:p>
           <a:p>
             <a:pPr lvl="1"/>
             <a:r>
-              <a:rPr lang="pt-BR" sz="1600" dirty="0" smtClean="0"/>
-              <a:t>B G</a:t>
+              <a:rPr lang="pt-BR" sz="1800" dirty="0" smtClean="0"/>
+              <a:t>B</a:t>
             </a:r>
           </a:p>
           <a:p>
             <a:pPr lvl="1"/>
             <a:r>
-              <a:rPr lang="pt-BR" sz="1600" dirty="0" smtClean="0"/>
-              <a:t>B</a:t>
+              <a:rPr lang="pt-BR" sz="1800" dirty="0" smtClean="0"/>
+              <a:t>E F</a:t>
             </a:r>
           </a:p>
           <a:p>
             <a:pPr lvl="1"/>
             <a:r>
-              <a:rPr lang="pt-BR" sz="1600" dirty="0" smtClean="0"/>
-              <a:t>E F</a:t>
+              <a:rPr lang="pt-BR" sz="1800" dirty="0" smtClean="0"/>
+              <a:t>E M</a:t>
             </a:r>
           </a:p>
           <a:p>
             <a:pPr lvl="1"/>
             <a:r>
-              <a:rPr lang="pt-BR" sz="1600" dirty="0" smtClean="0"/>
-              <a:t>E M</a:t>
+              <a:rPr lang="pt-BR" sz="1800" dirty="0" smtClean="0"/>
+              <a:t>E</a:t>
             </a:r>
           </a:p>
           <a:p>
             <a:pPr lvl="1"/>
             <a:r>
-              <a:rPr lang="pt-BR" sz="1600" dirty="0" smtClean="0"/>
-              <a:t>E</a:t>
+              <a:rPr lang="pt-BR" sz="1800" dirty="0" smtClean="0"/>
+              <a:t>K L</a:t>
             </a:r>
           </a:p>
           <a:p>
             <a:pPr lvl="1"/>
             <a:r>
-              <a:rPr lang="pt-BR" sz="1600" dirty="0" smtClean="0"/>
-              <a:t>K L</a:t>
-            </a:r>
-          </a:p>
-          <a:p>
-            <a:pPr lvl="1"/>
-            <a:r>
-              <a:rPr lang="pt-BR" sz="1600" dirty="0" smtClean="0"/>
+              <a:rPr lang="pt-BR" sz="1800" smtClean="0"/>
               <a:t>K</a:t>
             </a:r>
-          </a:p>
-          <a:p>
-            <a:r>
-              <a:rPr lang="pt-BR" sz="1800" dirty="0" smtClean="0"/>
-              <a:t>Depth = 4</a:t>
-            </a:r>
-          </a:p>
-          <a:p>
-            <a:pPr lvl="1"/>
-            <a:r>
-              <a:rPr lang="pt-BR" sz="1600" dirty="0" smtClean="0"/>
-              <a:t>...</a:t>
-            </a:r>
+            <a:endParaRPr lang="pt-BR" sz="1800" dirty="0" smtClean="0"/>
           </a:p>
         </p:txBody>
       </p:sp>
@@ -6360,7 +6348,7 @@
         <p:spPr>
           <a:xfrm>
             <a:off x="457200" y="609600"/>
-            <a:ext cx="5638800" cy="5943600"/>
+            <a:ext cx="6248400" cy="5943600"/>
           </a:xfrm>
         </p:spPr>
         <p:txBody>
@@ -6427,6 +6415,15 @@
             </a:pPr>
             <a:r>
               <a:rPr lang="en-US" sz="2200" dirty="0" smtClean="0"/>
+              <a:t>        ##depth('A')=1,limit=1,add_or_check('B','C')</a:t>
+            </a:r>
+          </a:p>
+          <a:p>
+            <a:pPr>
+              <a:buNone/>
+            </a:pPr>
+            <a:r>
+              <a:rPr lang="en-US" sz="2200" dirty="0" smtClean="0"/>
               <a:t>        depth = </a:t>
             </a:r>
             <a:r>
@@ -6435,7 +6432,7 @@
             </a:r>
             <a:r>
               <a:rPr lang="en-US" sz="2200" dirty="0" smtClean="0"/>
-              <a:t>(path)        </a:t>
+              <a:t>(path)</a:t>
             </a:r>
           </a:p>
           <a:p>
@@ -6444,7 +6441,7 @@
             </a:pPr>
             <a:r>
               <a:rPr lang="en-US" sz="2200" dirty="0" smtClean="0"/>
-              <a:t>        for next in graph[vertex] - set(path):</a:t>
+              <a:t>        if depth&lt;=limit:</a:t>
             </a:r>
           </a:p>
           <a:p>
@@ -6453,7 +6450,7 @@
             </a:pPr>
             <a:r>
               <a:rPr lang="en-US" sz="2200" dirty="0" smtClean="0"/>
-              <a:t>            if next == goal:</a:t>
+              <a:t>            for next in graph[vertex] - set(path):</a:t>
             </a:r>
           </a:p>
           <a:p>
@@ -6462,7 +6459,16 @@
             </a:pPr>
             <a:r>
               <a:rPr lang="en-US" sz="2200" dirty="0" smtClean="0"/>
-              <a:t>                </a:t>
+              <a:t>                if next == goal:</a:t>
+            </a:r>
+          </a:p>
+          <a:p>
+            <a:pPr>
+              <a:buNone/>
+            </a:pPr>
+            <a:r>
+              <a:rPr lang="en-US" sz="2200" dirty="0" smtClean="0"/>
+              <a:t>                    </a:t>
             </a:r>
             <a:r>
               <a:rPr lang="en-US" sz="2200" dirty="0" err="1" smtClean="0"/>
@@ -6479,16 +6485,7 @@
             </a:pPr>
             <a:r>
               <a:rPr lang="en-US" sz="2200" dirty="0" smtClean="0"/>
-              <a:t>            else:</a:t>
-            </a:r>
-          </a:p>
-          <a:p>
-            <a:pPr>
-              <a:buNone/>
-            </a:pPr>
-            <a:r>
-              <a:rPr lang="en-US" sz="2200" dirty="0" smtClean="0"/>
-              <a:t>                if(depth+1&lt;=limit):        </a:t>
+              <a:t>                else:</a:t>
             </a:r>
           </a:p>
           <a:p>
@@ -6774,7 +6771,6 @@
               <a:rPr lang="en-US" sz="2200" dirty="0" smtClean="0"/>
               <a:t>## [['A', 'B', 'E', 'F'], ['A', 'C', 'F']]</a:t>
             </a:r>
-            <a:endParaRPr lang="en-US" sz="2200" dirty="0" smtClean="0"/>
           </a:p>
         </p:txBody>
       </p:sp>
@@ -6926,7 +6922,7 @@
       </p:sp>
       <p:pic>
         <p:nvPicPr>
-          <p:cNvPr id="1028" name="Picture 4"/>
+          <p:cNvPr id="1026" name="Picture 2"/>
           <p:cNvPicPr>
             <a:picLocks noChangeAspect="1" noChangeArrowheads="1"/>
           </p:cNvPicPr>
@@ -6941,8 +6937,8 @@
         </p:blipFill>
         <p:spPr bwMode="auto">
           <a:xfrm>
-            <a:off x="533400" y="1142999"/>
-            <a:ext cx="7494823" cy="5105401"/>
+            <a:off x="304800" y="2133600"/>
+            <a:ext cx="8438697" cy="4062412"/>
           </a:xfrm>
           <a:prstGeom prst="rect">
             <a:avLst/>
@@ -6974,8 +6970,8 @@
         </p:blipFill>
         <p:spPr bwMode="auto">
           <a:xfrm>
-            <a:off x="6400800" y="914400"/>
-            <a:ext cx="2581275" cy="3438525"/>
+            <a:off x="6934200" y="838200"/>
+            <a:ext cx="2002097" cy="2667000"/>
           </a:xfrm>
           <a:prstGeom prst="rect">
             <a:avLst/>
